--- a/docs/KRDS_HSNH_화면설계서.pptx
+++ b/docs/KRDS_HSNH_화면설계서.pptx
@@ -331,7 +331,7 @@
           <a:p>
             <a:fld id="{98FBB39A-9110-43FD-8DF2-684D1523A0BC}" type="datetime1">
               <a:rPr lang="ko-KR" altLang="en-US" smtClean="0"/>
-              <a:t>2024-04-18</a:t>
+              <a:t>2024-05-24</a:t>
             </a:fld>
             <a:endParaRPr lang="ko-KR" altLang="en-US"/>
           </a:p>
@@ -648,42 +648,42 @@
                 <a:gridCol w="761023">
                   <a:extLst>
                     <a:ext uri="{9D8B030D-6E8A-4147-A177-3AD203B41FA5}">
-                      <a16:colId xmlns:a16="http://schemas.microsoft.com/office/drawing/2014/main" val="20000"/>
+                      <a16:colId xmlns:a16="http://schemas.microsoft.com/office/drawing/2014/main" xmlns="" val="20000"/>
                     </a:ext>
                   </a:extLst>
                 </a:gridCol>
                 <a:gridCol w="956719">
                   <a:extLst>
                     <a:ext uri="{9D8B030D-6E8A-4147-A177-3AD203B41FA5}">
-                      <a16:colId xmlns:a16="http://schemas.microsoft.com/office/drawing/2014/main" val="20001"/>
+                      <a16:colId xmlns:a16="http://schemas.microsoft.com/office/drawing/2014/main" xmlns="" val="20001"/>
                     </a:ext>
                   </a:extLst>
                 </a:gridCol>
                 <a:gridCol w="956719">
                   <a:extLst>
                     <a:ext uri="{9D8B030D-6E8A-4147-A177-3AD203B41FA5}">
-                      <a16:colId xmlns:a16="http://schemas.microsoft.com/office/drawing/2014/main" val="748956557"/>
+                      <a16:colId xmlns:a16="http://schemas.microsoft.com/office/drawing/2014/main" xmlns="" val="748956557"/>
                     </a:ext>
                   </a:extLst>
                 </a:gridCol>
                 <a:gridCol w="956719">
                   <a:extLst>
                     <a:ext uri="{9D8B030D-6E8A-4147-A177-3AD203B41FA5}">
-                      <a16:colId xmlns:a16="http://schemas.microsoft.com/office/drawing/2014/main" val="2052663771"/>
+                      <a16:colId xmlns:a16="http://schemas.microsoft.com/office/drawing/2014/main" xmlns="" val="2052663771"/>
                     </a:ext>
                   </a:extLst>
                 </a:gridCol>
                 <a:gridCol w="956719">
                   <a:extLst>
                     <a:ext uri="{9D8B030D-6E8A-4147-A177-3AD203B41FA5}">
-                      <a16:colId xmlns:a16="http://schemas.microsoft.com/office/drawing/2014/main" val="1774092345"/>
+                      <a16:colId xmlns:a16="http://schemas.microsoft.com/office/drawing/2014/main" xmlns="" val="1774092345"/>
                     </a:ext>
                   </a:extLst>
                 </a:gridCol>
                 <a:gridCol w="956719">
                   <a:extLst>
                     <a:ext uri="{9D8B030D-6E8A-4147-A177-3AD203B41FA5}">
-                      <a16:colId xmlns:a16="http://schemas.microsoft.com/office/drawing/2014/main" val="2811408782"/>
+                      <a16:colId xmlns:a16="http://schemas.microsoft.com/office/drawing/2014/main" xmlns="" val="2811408782"/>
                     </a:ext>
                   </a:extLst>
                 </a:gridCol>
@@ -1059,7 +1059,7 @@
                 </a:tc>
                 <a:extLst>
                   <a:ext uri="{0D108BD9-81ED-4DB2-BD59-A6C34878D82A}">
-                    <a16:rowId xmlns:a16="http://schemas.microsoft.com/office/drawing/2014/main" val="10000"/>
+                    <a16:rowId xmlns:a16="http://schemas.microsoft.com/office/drawing/2014/main" xmlns="" val="10000"/>
                   </a:ext>
                 </a:extLst>
               </a:tr>
@@ -1221,7 +1221,7 @@
                 <a:gridCol w="10570691">
                   <a:extLst>
                     <a:ext uri="{9D8B030D-6E8A-4147-A177-3AD203B41FA5}">
-                      <a16:colId xmlns:a16="http://schemas.microsoft.com/office/drawing/2014/main" val="20000"/>
+                      <a16:colId xmlns:a16="http://schemas.microsoft.com/office/drawing/2014/main" xmlns="" val="20000"/>
                     </a:ext>
                   </a:extLst>
                 </a:gridCol>
@@ -1278,7 +1278,7 @@
                 </a:tc>
                 <a:extLst>
                   <a:ext uri="{0D108BD9-81ED-4DB2-BD59-A6C34878D82A}">
-                    <a16:rowId xmlns:a16="http://schemas.microsoft.com/office/drawing/2014/main" val="10000"/>
+                    <a16:rowId xmlns:a16="http://schemas.microsoft.com/office/drawing/2014/main" xmlns="" val="10000"/>
                   </a:ext>
                 </a:extLst>
               </a:tr>
@@ -1331,7 +1331,7 @@
           <p:cNvPr id="8" name="Copyrights 2018  ©Petdoc.  All Rights Reserved.">
             <a:extLst>
               <a:ext uri="{FF2B5EF4-FFF2-40B4-BE49-F238E27FC236}">
-                <a16:creationId xmlns:a16="http://schemas.microsoft.com/office/drawing/2014/main" id="{FD2F9934-9D0C-4E19-AE89-48CB9973F4AD}"/>
+                <a16:creationId xmlns:a16="http://schemas.microsoft.com/office/drawing/2014/main" xmlns="" id="{FD2F9934-9D0C-4E19-AE89-48CB9973F4AD}"/>
               </a:ext>
             </a:extLst>
           </p:cNvPr>
@@ -1351,7 +1351,7 @@
           </a:ln>
           <a:extLst>
             <a:ext uri="{C572A759-6A51-4108-AA02-DFA0A04FC94B}">
-              <ma14:wrappingTextBoxFlag xmlns="" xmlns:m="http://schemas.openxmlformats.org/officeDocument/2006/math" xmlns:a14="http://schemas.microsoft.com/office/drawing/2010/main" xmlns:ma14="http://schemas.microsoft.com/office/mac/drawingml/2011/main" val="1"/>
+              <ma14:wrappingTextBoxFlag xmlns:ma14="http://schemas.microsoft.com/office/mac/drawingml/2011/main" xmlns:a14="http://schemas.microsoft.com/office/drawing/2010/main" xmlns:m="http://schemas.openxmlformats.org/officeDocument/2006/math" xmlns="" val="1"/>
             </a:ext>
           </a:extLst>
         </p:spPr>
@@ -1434,7 +1434,7 @@
           <p:cNvPr id="9" name="This report contains information that is confidential and proprietary to petdoc and is solely for the use of Petdoc personnel. No part of it may be used, circulated, quoted, or reproduced for distribution outside…">
             <a:extLst>
               <a:ext uri="{FF2B5EF4-FFF2-40B4-BE49-F238E27FC236}">
-                <a16:creationId xmlns:a16="http://schemas.microsoft.com/office/drawing/2014/main" id="{04047FE0-99CA-4A25-A7D8-E3A981F3FFF0}"/>
+                <a16:creationId xmlns:a16="http://schemas.microsoft.com/office/drawing/2014/main" xmlns="" id="{04047FE0-99CA-4A25-A7D8-E3A981F3FFF0}"/>
               </a:ext>
             </a:extLst>
           </p:cNvPr>
@@ -1454,7 +1454,7 @@
           </a:ln>
           <a:extLst>
             <a:ext uri="{C572A759-6A51-4108-AA02-DFA0A04FC94B}">
-              <ma14:wrappingTextBoxFlag xmlns="" xmlns:m="http://schemas.openxmlformats.org/officeDocument/2006/math" xmlns:a14="http://schemas.microsoft.com/office/drawing/2010/main" xmlns:ma14="http://schemas.microsoft.com/office/mac/drawingml/2011/main" val="1"/>
+              <ma14:wrappingTextBoxFlag xmlns:ma14="http://schemas.microsoft.com/office/mac/drawingml/2011/main" xmlns:a14="http://schemas.microsoft.com/office/drawing/2010/main" xmlns:m="http://schemas.openxmlformats.org/officeDocument/2006/math" xmlns="" val="1"/>
             </a:ext>
           </a:extLst>
         </p:spPr>
@@ -1533,7 +1533,7 @@
           <p:cNvPr id="13" name="Confidential">
             <a:extLst>
               <a:ext uri="{FF2B5EF4-FFF2-40B4-BE49-F238E27FC236}">
-                <a16:creationId xmlns:a16="http://schemas.microsoft.com/office/drawing/2014/main" id="{26B85E55-A23B-4282-B1C2-26BA012C5C07}"/>
+                <a16:creationId xmlns:a16="http://schemas.microsoft.com/office/drawing/2014/main" xmlns="" id="{26B85E55-A23B-4282-B1C2-26BA012C5C07}"/>
               </a:ext>
             </a:extLst>
           </p:cNvPr>
@@ -1556,7 +1556,7 @@
           </a:ln>
           <a:extLst>
             <a:ext uri="{C572A759-6A51-4108-AA02-DFA0A04FC94B}">
-              <ma14:wrappingTextBoxFlag xmlns="" xmlns:m="http://schemas.openxmlformats.org/officeDocument/2006/math" xmlns:a14="http://schemas.microsoft.com/office/drawing/2010/main" xmlns:ma14="http://schemas.microsoft.com/office/mac/drawingml/2011/main" val="1"/>
+              <ma14:wrappingTextBoxFlag xmlns:ma14="http://schemas.microsoft.com/office/mac/drawingml/2011/main" xmlns:a14="http://schemas.microsoft.com/office/drawing/2010/main" xmlns:m="http://schemas.openxmlformats.org/officeDocument/2006/math" xmlns="" val="1"/>
             </a:ext>
           </a:extLst>
         </p:spPr>
@@ -1618,7 +1618,7 @@
           <p:cNvPr id="4" name="표 3">
             <a:extLst>
               <a:ext uri="{FF2B5EF4-FFF2-40B4-BE49-F238E27FC236}">
-                <a16:creationId xmlns:a16="http://schemas.microsoft.com/office/drawing/2014/main" id="{B42A6570-5196-43DE-85B2-428460B9C59C}"/>
+                <a16:creationId xmlns:a16="http://schemas.microsoft.com/office/drawing/2014/main" xmlns="" id="{B42A6570-5196-43DE-85B2-428460B9C59C}"/>
               </a:ext>
             </a:extLst>
           </p:cNvPr>
@@ -1647,7 +1647,7 @@
                 <a:gridCol w="10570691">
                   <a:extLst>
                     <a:ext uri="{9D8B030D-6E8A-4147-A177-3AD203B41FA5}">
-                      <a16:colId xmlns:a16="http://schemas.microsoft.com/office/drawing/2014/main" val="20000"/>
+                      <a16:colId xmlns:a16="http://schemas.microsoft.com/office/drawing/2014/main" xmlns="" val="20000"/>
                     </a:ext>
                   </a:extLst>
                 </a:gridCol>
@@ -1704,7 +1704,7 @@
                 </a:tc>
                 <a:extLst>
                   <a:ext uri="{0D108BD9-81ED-4DB2-BD59-A6C34878D82A}">
-                    <a16:rowId xmlns:a16="http://schemas.microsoft.com/office/drawing/2014/main" val="10000"/>
+                    <a16:rowId xmlns:a16="http://schemas.microsoft.com/office/drawing/2014/main" xmlns="" val="10000"/>
                   </a:ext>
                 </a:extLst>
               </a:tr>
@@ -1717,7 +1717,7 @@
           <p:cNvPr id="5" name="제목 개체 틀 9">
             <a:extLst>
               <a:ext uri="{FF2B5EF4-FFF2-40B4-BE49-F238E27FC236}">
-                <a16:creationId xmlns:a16="http://schemas.microsoft.com/office/drawing/2014/main" id="{45E6D0DC-F064-4EBA-906A-BF1306784A62}"/>
+                <a16:creationId xmlns:a16="http://schemas.microsoft.com/office/drawing/2014/main" xmlns="" id="{45E6D0DC-F064-4EBA-906A-BF1306784A62}"/>
               </a:ext>
             </a:extLst>
           </p:cNvPr>
@@ -2015,49 +2015,49 @@
                 <a:gridCol w="1152128">
                   <a:extLst>
                     <a:ext uri="{9D8B030D-6E8A-4147-A177-3AD203B41FA5}">
-                      <a16:colId xmlns:a16="http://schemas.microsoft.com/office/drawing/2014/main" val="20000"/>
+                      <a16:colId xmlns:a16="http://schemas.microsoft.com/office/drawing/2014/main" xmlns="" val="20000"/>
                     </a:ext>
                   </a:extLst>
                 </a:gridCol>
                 <a:gridCol w="2976331">
                   <a:extLst>
                     <a:ext uri="{9D8B030D-6E8A-4147-A177-3AD203B41FA5}">
-                      <a16:colId xmlns:a16="http://schemas.microsoft.com/office/drawing/2014/main" val="20001"/>
+                      <a16:colId xmlns:a16="http://schemas.microsoft.com/office/drawing/2014/main" xmlns="" val="20001"/>
                     </a:ext>
                   </a:extLst>
                 </a:gridCol>
                 <a:gridCol w="1055397">
                   <a:extLst>
                     <a:ext uri="{9D8B030D-6E8A-4147-A177-3AD203B41FA5}">
-                      <a16:colId xmlns:a16="http://schemas.microsoft.com/office/drawing/2014/main" val="20002"/>
+                      <a16:colId xmlns:a16="http://schemas.microsoft.com/office/drawing/2014/main" xmlns="" val="20002"/>
                     </a:ext>
                   </a:extLst>
                 </a:gridCol>
                 <a:gridCol w="3361093">
                   <a:extLst>
                     <a:ext uri="{9D8B030D-6E8A-4147-A177-3AD203B41FA5}">
-                      <a16:colId xmlns:a16="http://schemas.microsoft.com/office/drawing/2014/main" val="20003"/>
+                      <a16:colId xmlns:a16="http://schemas.microsoft.com/office/drawing/2014/main" xmlns="" val="20003"/>
                     </a:ext>
                   </a:extLst>
                 </a:gridCol>
                 <a:gridCol w="2370770">
                   <a:extLst>
                     <a:ext uri="{9D8B030D-6E8A-4147-A177-3AD203B41FA5}">
-                      <a16:colId xmlns:a16="http://schemas.microsoft.com/office/drawing/2014/main" val="20004"/>
+                      <a16:colId xmlns:a16="http://schemas.microsoft.com/office/drawing/2014/main" xmlns="" val="20004"/>
                     </a:ext>
                   </a:extLst>
                 </a:gridCol>
                 <a:gridCol w="555955">
                   <a:extLst>
                     <a:ext uri="{9D8B030D-6E8A-4147-A177-3AD203B41FA5}">
-                      <a16:colId xmlns:a16="http://schemas.microsoft.com/office/drawing/2014/main" val="20006"/>
+                      <a16:colId xmlns:a16="http://schemas.microsoft.com/office/drawing/2014/main" xmlns="" val="20006"/>
                     </a:ext>
                   </a:extLst>
                 </a:gridCol>
                 <a:gridCol w="623991">
                   <a:extLst>
                     <a:ext uri="{9D8B030D-6E8A-4147-A177-3AD203B41FA5}">
-                      <a16:colId xmlns:a16="http://schemas.microsoft.com/office/drawing/2014/main" val="20007"/>
+                      <a16:colId xmlns:a16="http://schemas.microsoft.com/office/drawing/2014/main" xmlns="" val="20007"/>
                     </a:ext>
                   </a:extLst>
                 </a:gridCol>
@@ -2433,7 +2433,7 @@
                 </a:tc>
                 <a:extLst>
                   <a:ext uri="{0D108BD9-81ED-4DB2-BD59-A6C34878D82A}">
-                    <a16:rowId xmlns:a16="http://schemas.microsoft.com/office/drawing/2014/main" val="10000"/>
+                    <a16:rowId xmlns:a16="http://schemas.microsoft.com/office/drawing/2014/main" xmlns="" val="10000"/>
                   </a:ext>
                 </a:extLst>
               </a:tr>
@@ -2717,7 +2717,7 @@
                 </a:tc>
                 <a:extLst>
                   <a:ext uri="{0D108BD9-81ED-4DB2-BD59-A6C34878D82A}">
-                    <a16:rowId xmlns:a16="http://schemas.microsoft.com/office/drawing/2014/main" val="10002"/>
+                    <a16:rowId xmlns:a16="http://schemas.microsoft.com/office/drawing/2014/main" xmlns="" val="10002"/>
                   </a:ext>
                 </a:extLst>
               </a:tr>
@@ -3133,12 +3133,35 @@
           <a:chExt cx="0" cy="0"/>
         </a:xfrm>
       </p:grpSpPr>
+      <p:pic>
+        <p:nvPicPr>
+          <p:cNvPr id="2" name="그림 1"/>
+          <p:cNvPicPr>
+            <a:picLocks noChangeAspect="1"/>
+          </p:cNvPicPr>
+          <p:nvPr/>
+        </p:nvPicPr>
+        <p:blipFill rotWithShape="1">
+          <a:blip r:embed="rId2"/>
+          <a:srcRect t="25641"/>
+          <a:stretch/>
+        </p:blipFill>
+        <p:spPr>
+          <a:xfrm>
+            <a:off x="1559495" y="1484784"/>
+            <a:ext cx="5197861" cy="3107144"/>
+          </a:xfrm>
+          <a:prstGeom prst="rect">
+            <a:avLst/>
+          </a:prstGeom>
+        </p:spPr>
+      </p:pic>
       <p:sp>
         <p:nvSpPr>
           <p:cNvPr id="4" name="텍스트 개체 틀 3">
             <a:extLst>
               <a:ext uri="{FF2B5EF4-FFF2-40B4-BE49-F238E27FC236}">
-                <a16:creationId xmlns:a16="http://schemas.microsoft.com/office/drawing/2014/main" id="{32E285E0-25D1-4806-B9DF-3590BD92D435}"/>
+                <a16:creationId xmlns:a16="http://schemas.microsoft.com/office/drawing/2014/main" xmlns="" id="{32E285E0-25D1-4806-B9DF-3590BD92D435}"/>
               </a:ext>
             </a:extLst>
           </p:cNvPr>
@@ -3167,7 +3190,7 @@
           <p:cNvPr id="5" name="텍스트 개체 틀 4">
             <a:extLst>
               <a:ext uri="{FF2B5EF4-FFF2-40B4-BE49-F238E27FC236}">
-                <a16:creationId xmlns:a16="http://schemas.microsoft.com/office/drawing/2014/main" id="{181CE6EC-43A5-4409-9C12-1C3782E8CB22}"/>
+                <a16:creationId xmlns:a16="http://schemas.microsoft.com/office/drawing/2014/main" xmlns="" id="{181CE6EC-43A5-4409-9C12-1C3782E8CB22}"/>
               </a:ext>
             </a:extLst>
           </p:cNvPr>
@@ -3192,7 +3215,7 @@
           <p:cNvPr id="7" name="표 6">
             <a:extLst>
               <a:ext uri="{FF2B5EF4-FFF2-40B4-BE49-F238E27FC236}">
-                <a16:creationId xmlns:a16="http://schemas.microsoft.com/office/drawing/2014/main" id="{EE672C9C-2796-4CD4-B138-FB14ECB9EFA6}"/>
+                <a16:creationId xmlns:a16="http://schemas.microsoft.com/office/drawing/2014/main" xmlns="" id="{EE672C9C-2796-4CD4-B138-FB14ECB9EFA6}"/>
               </a:ext>
             </a:extLst>
           </p:cNvPr>
@@ -3202,14 +3225,14 @@
           <p:nvPr>
             <p:extLst>
               <p:ext uri="{D42A27DB-BD31-4B8C-83A1-F6EECF244321}">
-                <p14:modId xmlns:p14="http://schemas.microsoft.com/office/powerpoint/2010/main" val="2126285418"/>
+                <p14:modId xmlns:p14="http://schemas.microsoft.com/office/powerpoint/2010/main" val="4225489835"/>
               </p:ext>
             </p:extLst>
           </p:nvPr>
         </p:nvGraphicFramePr>
         <p:xfrm>
           <a:off x="8688288" y="476672"/>
-          <a:ext cx="3384376" cy="2736301"/>
+          <a:ext cx="3384376" cy="3971048"/>
         </p:xfrm>
         <a:graphic>
           <a:graphicData uri="http://schemas.openxmlformats.org/drawingml/2006/table">
@@ -3221,14 +3244,14 @@
                 <a:gridCol w="403256">
                   <a:extLst>
                     <a:ext uri="{9D8B030D-6E8A-4147-A177-3AD203B41FA5}">
-                      <a16:colId xmlns:a16="http://schemas.microsoft.com/office/drawing/2014/main" val="74772085"/>
+                      <a16:colId xmlns:a16="http://schemas.microsoft.com/office/drawing/2014/main" xmlns="" val="74772085"/>
                     </a:ext>
                   </a:extLst>
                 </a:gridCol>
                 <a:gridCol w="2981120">
                   <a:extLst>
                     <a:ext uri="{9D8B030D-6E8A-4147-A177-3AD203B41FA5}">
-                      <a16:colId xmlns:a16="http://schemas.microsoft.com/office/drawing/2014/main" val="2572474025"/>
+                      <a16:colId xmlns:a16="http://schemas.microsoft.com/office/drawing/2014/main" xmlns="" val="2572474025"/>
                     </a:ext>
                   </a:extLst>
                 </a:gridCol>
@@ -3257,22 +3280,24 @@
                         <a:defRPr/>
                       </a:pPr>
                       <a:r>
-                        <a:rPr lang="en-US" altLang="ko-KR" sz="900" b="1" dirty="0">
-                          <a:solidFill>
-                            <a:srgbClr val="4E5263"/>
-                          </a:solidFill>
-                          <a:latin typeface="+mn-ea"/>
-                          <a:ea typeface="+mn-ea"/>
+                        <a:rPr lang="en-US" altLang="ko-KR" sz="850" b="0" kern="1200" dirty="0">
+                          <a:solidFill>
+                            <a:schemeClr val="dk1"/>
+                          </a:solidFill>
+                          <a:latin typeface="+mn-ea"/>
+                          <a:ea typeface="+mn-ea"/>
+                          <a:cs typeface="+mn-cs"/>
                           <a:sym typeface="맑은 고딕"/>
                         </a:rPr>
                         <a:t>Summery.</a:t>
                       </a:r>
-                      <a:endParaRPr lang="en" altLang="ko-KR" sz="900" b="1" dirty="0">
+                      <a:endParaRPr lang="en" altLang="ko-KR" sz="850" b="0" kern="1200" dirty="0">
                         <a:solidFill>
-                          <a:srgbClr val="4E5263"/>
+                          <a:schemeClr val="dk1"/>
                         </a:solidFill>
                         <a:latin typeface="+mn-ea"/>
                         <a:ea typeface="+mn-ea"/>
+                        <a:cs typeface="+mn-cs"/>
                         <a:sym typeface="맑은 고딕"/>
                       </a:endParaRPr>
                     </a:p>
@@ -3391,7 +3416,7 @@
                 </a:tc>
                 <a:extLst>
                   <a:ext uri="{0D108BD9-81ED-4DB2-BD59-A6C34878D82A}">
-                    <a16:rowId xmlns:a16="http://schemas.microsoft.com/office/drawing/2014/main" val="1283880267"/>
+                    <a16:rowId xmlns:a16="http://schemas.microsoft.com/office/drawing/2014/main" xmlns="" val="1283880267"/>
                   </a:ext>
                 </a:extLst>
               </a:tr>
@@ -3419,34 +3444,37 @@
                         <a:defRPr/>
                       </a:pPr>
                       <a:r>
-                        <a:rPr lang="en-US" altLang="ko-KR" sz="800" b="0" dirty="0">
-                          <a:solidFill>
-                            <a:schemeClr val="tx1"/>
-                          </a:solidFill>
-                          <a:latin typeface="+mn-ea"/>
-                          <a:ea typeface="+mn-ea"/>
+                        <a:rPr lang="en-US" altLang="ko-KR" sz="850" b="0" kern="1200" dirty="0">
+                          <a:solidFill>
+                            <a:schemeClr val="dk1"/>
+                          </a:solidFill>
+                          <a:latin typeface="+mn-ea"/>
+                          <a:ea typeface="+mn-ea"/>
+                          <a:cs typeface="+mn-cs"/>
                           <a:sym typeface="맑은 고딕"/>
                         </a:rPr>
                         <a:t>Summery</a:t>
                       </a:r>
                       <a:r>
-                        <a:rPr lang="ko-KR" altLang="en-US" sz="800" b="0" dirty="0">
-                          <a:solidFill>
-                            <a:schemeClr val="tx1"/>
-                          </a:solidFill>
-                          <a:latin typeface="+mn-ea"/>
-                          <a:ea typeface="+mn-ea"/>
+                        <a:rPr lang="ko-KR" altLang="en-US" sz="850" b="0" kern="1200" dirty="0">
+                          <a:solidFill>
+                            <a:schemeClr val="dk1"/>
+                          </a:solidFill>
+                          <a:latin typeface="+mn-ea"/>
+                          <a:ea typeface="+mn-ea"/>
+                          <a:cs typeface="+mn-cs"/>
                           <a:sym typeface="맑은 고딕"/>
                         </a:rPr>
                         <a:t>에는 해당 페이지와 관련된 요약사항을 정리해주세요</a:t>
                       </a:r>
                       <a:r>
-                        <a:rPr lang="en-US" altLang="ko-KR" sz="800" b="0" dirty="0">
-                          <a:solidFill>
-                            <a:schemeClr val="tx1"/>
-                          </a:solidFill>
-                          <a:latin typeface="+mn-ea"/>
-                          <a:ea typeface="+mn-ea"/>
+                        <a:rPr lang="en-US" altLang="ko-KR" sz="850" b="0" kern="1200" dirty="0">
+                          <a:solidFill>
+                            <a:schemeClr val="dk1"/>
+                          </a:solidFill>
+                          <a:latin typeface="+mn-ea"/>
+                          <a:ea typeface="+mn-ea"/>
+                          <a:cs typeface="+mn-cs"/>
                           <a:sym typeface="맑은 고딕"/>
                         </a:rPr>
                         <a:t>.</a:t>
@@ -3471,12 +3499,13 @@
                         <a:defRPr/>
                       </a:pPr>
                       <a:r>
-                        <a:rPr lang="en-US" altLang="ko-KR" sz="800" b="0" dirty="0">
-                          <a:solidFill>
-                            <a:schemeClr val="tx1"/>
-                          </a:solidFill>
-                          <a:latin typeface="+mn-ea"/>
-                          <a:ea typeface="+mn-ea"/>
+                        <a:rPr lang="en-US" altLang="ko-KR" sz="850" b="0" kern="1200" dirty="0">
+                          <a:solidFill>
+                            <a:schemeClr val="dk1"/>
+                          </a:solidFill>
+                          <a:latin typeface="+mn-ea"/>
+                          <a:ea typeface="+mn-ea"/>
+                          <a:cs typeface="+mn-cs"/>
                           <a:sym typeface="맑은 고딕"/>
                         </a:rPr>
                         <a:t>Content_#001</a:t>
@@ -3501,12 +3530,13 @@
                         <a:defRPr/>
                       </a:pPr>
                       <a:r>
-                        <a:rPr lang="en-US" altLang="ko-KR" sz="800" b="0" dirty="0">
-                          <a:solidFill>
-                            <a:schemeClr val="tx1"/>
-                          </a:solidFill>
-                          <a:latin typeface="+mn-ea"/>
-                          <a:ea typeface="+mn-ea"/>
+                        <a:rPr lang="en-US" altLang="ko-KR" sz="850" b="0" kern="1200" dirty="0">
+                          <a:solidFill>
+                            <a:schemeClr val="dk1"/>
+                          </a:solidFill>
+                          <a:latin typeface="+mn-ea"/>
+                          <a:ea typeface="+mn-ea"/>
+                          <a:cs typeface="+mn-cs"/>
                           <a:sym typeface="맑은 고딕"/>
                         </a:rPr>
                         <a:t>Content_#002</a:t>
@@ -3531,12 +3561,13 @@
                         <a:defRPr/>
                       </a:pPr>
                       <a:r>
-                        <a:rPr lang="en-US" altLang="ko-KR" sz="800" b="0" dirty="0">
-                          <a:solidFill>
-                            <a:schemeClr val="tx1"/>
-                          </a:solidFill>
-                          <a:latin typeface="+mn-ea"/>
-                          <a:ea typeface="+mn-ea"/>
+                        <a:rPr lang="en-US" altLang="ko-KR" sz="850" b="0" kern="1200" dirty="0">
+                          <a:solidFill>
+                            <a:schemeClr val="dk1"/>
+                          </a:solidFill>
+                          <a:latin typeface="+mn-ea"/>
+                          <a:ea typeface="+mn-ea"/>
+                          <a:cs typeface="+mn-cs"/>
                           <a:sym typeface="맑은 고딕"/>
                         </a:rPr>
                         <a:t>Content_#003</a:t>
@@ -3597,7 +3628,7 @@
                 </a:tc>
                 <a:extLst>
                   <a:ext uri="{0D108BD9-81ED-4DB2-BD59-A6C34878D82A}">
-                    <a16:rowId xmlns:a16="http://schemas.microsoft.com/office/drawing/2014/main" val="3072083066"/>
+                    <a16:rowId xmlns:a16="http://schemas.microsoft.com/office/drawing/2014/main" xmlns="" val="3072083066"/>
                   </a:ext>
                 </a:extLst>
               </a:tr>
@@ -3613,21 +3644,23 @@
                         </a:lnSpc>
                       </a:pPr>
                       <a:r>
-                        <a:rPr lang="en-US" altLang="ko-KR" sz="850" b="0" dirty="0">
-                          <a:solidFill>
-                            <a:schemeClr val="tx1"/>
-                          </a:solidFill>
-                          <a:latin typeface="+mn-ea"/>
-                          <a:ea typeface="+mn-ea"/>
+                        <a:rPr lang="en-US" altLang="ko-KR" sz="850" b="0" kern="1200" dirty="0">
+                          <a:solidFill>
+                            <a:schemeClr val="dk1"/>
+                          </a:solidFill>
+                          <a:latin typeface="+mn-ea"/>
+                          <a:ea typeface="+mn-ea"/>
+                          <a:cs typeface="+mn-cs"/>
                         </a:rPr>
                         <a:t>1</a:t>
                       </a:r>
-                      <a:endParaRPr lang="ko-KR" altLang="en-US" sz="850" b="0" dirty="0">
+                      <a:endParaRPr lang="ko-KR" altLang="en-US" sz="850" b="0" kern="1200" dirty="0">
                         <a:solidFill>
-                          <a:schemeClr val="tx1"/>
+                          <a:schemeClr val="dk1"/>
                         </a:solidFill>
                         <a:latin typeface="+mn-ea"/>
                         <a:ea typeface="+mn-ea"/>
+                        <a:cs typeface="+mn-cs"/>
                       </a:endParaRPr>
                     </a:p>
                   </a:txBody>
@@ -3700,12 +3733,186 @@
                         <a:t>search-list &gt; li </a:t>
                       </a:r>
                       <a:r>
-                        <a:rPr lang="ko-KR" altLang="en-US" sz="850" b="0" dirty="0">
-                          <a:latin typeface="+mn-ea"/>
-                          <a:ea typeface="+mn-ea"/>
-                        </a:rPr>
-                        <a:t>클릭 시 해당 코드 복사</a:t>
-                      </a:r>
+                        <a:rPr lang="ko-KR" altLang="en-US" sz="850" b="0" kern="1200" dirty="0">
+                          <a:solidFill>
+                            <a:schemeClr val="dk1"/>
+                          </a:solidFill>
+                          <a:latin typeface="+mn-ea"/>
+                          <a:ea typeface="+mn-ea"/>
+                          <a:cs typeface="+mn-cs"/>
+                        </a:rPr>
+                        <a:t>클릭 시 </a:t>
+                      </a:r>
+                      <a:endParaRPr lang="en-US" altLang="ko-KR" sz="850" b="0" kern="1200" dirty="0" smtClean="0">
+                        <a:solidFill>
+                          <a:schemeClr val="dk1"/>
+                        </a:solidFill>
+                        <a:latin typeface="+mn-ea"/>
+                        <a:ea typeface="+mn-ea"/>
+                        <a:cs typeface="+mn-cs"/>
+                      </a:endParaRPr>
+                    </a:p>
+                    <a:p>
+                      <a:pPr algn="just" latinLnBrk="1">
+                        <a:lnSpc>
+                          <a:spcPct val="120000"/>
+                        </a:lnSpc>
+                      </a:pPr>
+                      <a:r>
+                        <a:rPr lang="en-US" altLang="ko-KR" sz="850" b="0" kern="1200" dirty="0" smtClean="0">
+                          <a:solidFill>
+                            <a:schemeClr val="dk1"/>
+                          </a:solidFill>
+                          <a:latin typeface="+mn-ea"/>
+                          <a:ea typeface="+mn-ea"/>
+                          <a:cs typeface="+mn-cs"/>
+                        </a:rPr>
+                        <a:t> - </a:t>
+                      </a:r>
+                      <a:r>
+                        <a:rPr lang="ko-KR" altLang="en-US" sz="850" b="0" kern="1200" dirty="0" smtClean="0">
+                          <a:solidFill>
+                            <a:schemeClr val="dk1"/>
+                          </a:solidFill>
+                          <a:latin typeface="+mn-ea"/>
+                          <a:ea typeface="+mn-ea"/>
+                          <a:cs typeface="+mn-cs"/>
+                        </a:rPr>
+                        <a:t>자식 </a:t>
+                      </a:r>
+                      <a:r>
+                        <a:rPr lang="en-US" altLang="ko-KR" sz="850" b="0" kern="1200" dirty="0" smtClean="0">
+                          <a:solidFill>
+                            <a:schemeClr val="dk1"/>
+                          </a:solidFill>
+                          <a:latin typeface="+mn-ea"/>
+                          <a:ea typeface="+mn-ea"/>
+                          <a:cs typeface="+mn-cs"/>
+                        </a:rPr>
+                        <a:t>. </a:t>
+                      </a:r>
+                      <a:r>
+                        <a:rPr lang="en-US" altLang="ko-KR" sz="850" b="0" kern="1200" dirty="0" err="1" smtClean="0">
+                          <a:solidFill>
+                            <a:schemeClr val="dk1"/>
+                          </a:solidFill>
+                          <a:latin typeface="+mn-ea"/>
+                          <a:ea typeface="+mn-ea"/>
+                          <a:cs typeface="+mn-cs"/>
+                        </a:rPr>
+                        <a:t>modalContents</a:t>
+                      </a:r>
+                      <a:r>
+                        <a:rPr lang="ko-KR" altLang="en-US" sz="850" b="0" kern="1200" dirty="0" smtClean="0">
+                          <a:solidFill>
+                            <a:schemeClr val="dk1"/>
+                          </a:solidFill>
+                          <a:latin typeface="+mn-ea"/>
+                          <a:ea typeface="+mn-ea"/>
+                          <a:cs typeface="+mn-cs"/>
+                        </a:rPr>
+                        <a:t> </a:t>
+                      </a:r>
+                      <a:r>
+                        <a:rPr lang="ko-KR" altLang="en-US" sz="850" b="0" kern="1200" dirty="0">
+                          <a:solidFill>
+                            <a:schemeClr val="dk1"/>
+                          </a:solidFill>
+                          <a:latin typeface="+mn-ea"/>
+                          <a:ea typeface="+mn-ea"/>
+                          <a:cs typeface="+mn-cs"/>
+                        </a:rPr>
+                        <a:t>코드 </a:t>
+                      </a:r>
+                      <a:r>
+                        <a:rPr lang="ko-KR" altLang="en-US" sz="850" b="0" kern="1200" dirty="0" smtClean="0">
+                          <a:solidFill>
+                            <a:schemeClr val="dk1"/>
+                          </a:solidFill>
+                          <a:latin typeface="+mn-ea"/>
+                          <a:ea typeface="+mn-ea"/>
+                          <a:cs typeface="+mn-cs"/>
+                        </a:rPr>
+                        <a:t>복사</a:t>
+                      </a:r>
+                      <a:endParaRPr lang="en-US" altLang="ko-KR" sz="850" b="0" kern="1200" dirty="0" smtClean="0">
+                        <a:solidFill>
+                          <a:schemeClr val="dk1"/>
+                        </a:solidFill>
+                        <a:latin typeface="+mn-ea"/>
+                        <a:ea typeface="+mn-ea"/>
+                        <a:cs typeface="+mn-cs"/>
+                      </a:endParaRPr>
+                    </a:p>
+                    <a:p>
+                      <a:pPr algn="just" latinLnBrk="1">
+                        <a:lnSpc>
+                          <a:spcPct val="120000"/>
+                        </a:lnSpc>
+                      </a:pPr>
+                      <a:r>
+                        <a:rPr lang="en-US" altLang="ko-KR" sz="850" b="0" kern="1200" dirty="0" smtClean="0">
+                          <a:solidFill>
+                            <a:schemeClr val="dk1"/>
+                          </a:solidFill>
+                          <a:latin typeface="+mn-ea"/>
+                          <a:ea typeface="+mn-ea"/>
+                          <a:cs typeface="+mn-cs"/>
+                        </a:rPr>
+                        <a:t> - .</a:t>
+                      </a:r>
+                      <a:r>
+                        <a:rPr lang="en-US" altLang="ko-KR" sz="850" b="0" kern="1200" dirty="0" err="1" smtClean="0">
+                          <a:solidFill>
+                            <a:schemeClr val="dk1"/>
+                          </a:solidFill>
+                          <a:latin typeface="+mn-ea"/>
+                          <a:ea typeface="+mn-ea"/>
+                          <a:cs typeface="+mn-cs"/>
+                        </a:rPr>
+                        <a:t>animate__bounce</a:t>
+                      </a:r>
+                      <a:r>
+                        <a:rPr lang="en-US" altLang="ko-KR" sz="850" b="0" kern="1200" dirty="0" smtClean="0">
+                          <a:solidFill>
+                            <a:schemeClr val="dk1"/>
+                          </a:solidFill>
+                          <a:latin typeface="+mn-ea"/>
+                          <a:ea typeface="+mn-ea"/>
+                          <a:cs typeface="+mn-cs"/>
+                        </a:rPr>
+                        <a:t> </a:t>
+                      </a:r>
+                      <a:r>
+                        <a:rPr lang="ko-KR" altLang="en-US" sz="850" b="0" kern="1200" dirty="0" smtClean="0">
+                          <a:solidFill>
+                            <a:schemeClr val="dk1"/>
+                          </a:solidFill>
+                          <a:latin typeface="+mn-ea"/>
+                          <a:ea typeface="+mn-ea"/>
+                          <a:cs typeface="+mn-cs"/>
+                        </a:rPr>
+                        <a:t>애니메이션</a:t>
+                      </a:r>
+                      <a:r>
+                        <a:rPr lang="ko-KR" altLang="en-US" sz="850" b="0" kern="1200" baseline="0" dirty="0" smtClean="0">
+                          <a:solidFill>
+                            <a:schemeClr val="dk1"/>
+                          </a:solidFill>
+                          <a:latin typeface="+mn-ea"/>
+                          <a:ea typeface="+mn-ea"/>
+                          <a:cs typeface="+mn-cs"/>
+                        </a:rPr>
+                        <a:t> 적용</a:t>
+                      </a:r>
+                      <a:endParaRPr lang="ko-KR" altLang="en-US" sz="850" b="0" kern="1200" dirty="0">
+                        <a:solidFill>
+                          <a:schemeClr val="dk1"/>
+                        </a:solidFill>
+                        <a:latin typeface="+mn-ea"/>
+                        <a:ea typeface="+mn-ea"/>
+                        <a:cs typeface="+mn-cs"/>
+                      </a:endParaRPr>
                     </a:p>
                   </a:txBody>
                   <a:tcPr anchor="ctr">
@@ -3757,7 +3964,7 @@
                 </a:tc>
                 <a:extLst>
                   <a:ext uri="{0D108BD9-81ED-4DB2-BD59-A6C34878D82A}">
-                    <a16:rowId xmlns:a16="http://schemas.microsoft.com/office/drawing/2014/main" val="896699591"/>
+                    <a16:rowId xmlns:a16="http://schemas.microsoft.com/office/drawing/2014/main" xmlns="" val="896699591"/>
                   </a:ext>
                 </a:extLst>
               </a:tr>
@@ -3773,15 +3980,23 @@
                         </a:lnSpc>
                       </a:pPr>
                       <a:r>
-                        <a:rPr lang="en-US" altLang="ko-KR" sz="850" b="0" dirty="0">
-                          <a:latin typeface="+mn-ea"/>
-                          <a:ea typeface="+mn-ea"/>
+                        <a:rPr lang="en-US" altLang="ko-KR" sz="850" b="0" kern="1200" dirty="0">
+                          <a:solidFill>
+                            <a:schemeClr val="dk1"/>
+                          </a:solidFill>
+                          <a:latin typeface="+mn-ea"/>
+                          <a:ea typeface="+mn-ea"/>
+                          <a:cs typeface="+mn-cs"/>
                         </a:rPr>
                         <a:t>2</a:t>
                       </a:r>
-                      <a:endParaRPr lang="ko-KR" altLang="en-US" sz="850" b="0" dirty="0">
+                      <a:endParaRPr lang="ko-KR" altLang="en-US" sz="850" b="0" kern="1200" dirty="0">
+                        <a:solidFill>
+                          <a:schemeClr val="dk1"/>
+                        </a:solidFill>
                         <a:latin typeface="+mn-ea"/>
                         <a:ea typeface="+mn-ea"/>
+                        <a:cs typeface="+mn-cs"/>
                       </a:endParaRPr>
                     </a:p>
                   </a:txBody>
@@ -3854,11 +4069,194 @@
                         <a:tabLst/>
                         <a:defRPr/>
                       </a:pPr>
-                      <a:endParaRPr kumimoji="1" lang="ko-KR" altLang="en-US" sz="850" dirty="0">
+                      <a:r>
+                        <a:rPr lang="en-US" altLang="ko-KR" sz="850" b="0" kern="1200" dirty="0" smtClean="0">
+                          <a:solidFill>
+                            <a:schemeClr val="dk1"/>
+                          </a:solidFill>
+                          <a:latin typeface="+mn-ea"/>
+                          <a:ea typeface="+mn-ea"/>
+                          <a:cs typeface="+mn-cs"/>
+                        </a:rPr>
+                        <a:t>.main .search-list .</a:t>
+                      </a:r>
+                      <a:r>
+                        <a:rPr lang="en-US" altLang="ko-KR" sz="850" b="0" kern="1200" dirty="0" err="1" smtClean="0">
+                          <a:solidFill>
+                            <a:schemeClr val="dk1"/>
+                          </a:solidFill>
+                          <a:latin typeface="+mn-ea"/>
+                          <a:ea typeface="+mn-ea"/>
+                          <a:cs typeface="+mn-cs"/>
+                        </a:rPr>
+                        <a:t>li:hover</a:t>
+                      </a:r>
+                      <a:r>
+                        <a:rPr lang="en-US" altLang="ko-KR" sz="850" b="0" kern="1200" dirty="0" smtClean="0">
+                          <a:solidFill>
+                            <a:schemeClr val="dk1"/>
+                          </a:solidFill>
+                          <a:latin typeface="+mn-ea"/>
+                          <a:ea typeface="+mn-ea"/>
+                          <a:cs typeface="+mn-cs"/>
+                        </a:rPr>
+                        <a:t> hover</a:t>
+                      </a:r>
+                      <a:r>
+                        <a:rPr lang="ko-KR" altLang="en-US" sz="850" b="0" kern="1200" dirty="0" smtClean="0">
+                          <a:solidFill>
+                            <a:schemeClr val="dk1"/>
+                          </a:solidFill>
+                          <a:latin typeface="+mn-ea"/>
+                          <a:ea typeface="+mn-ea"/>
+                          <a:cs typeface="+mn-cs"/>
+                        </a:rPr>
+                        <a:t>시</a:t>
+                      </a:r>
+                    </a:p>
+                    <a:p>
+                      <a:pPr marL="0" marR="0" lvl="0" indent="0" algn="just" defTabSz="914400" rtl="0" eaLnBrk="1" fontAlgn="auto" latinLnBrk="1" hangingPunct="1">
+                        <a:lnSpc>
+                          <a:spcPct val="120000"/>
+                        </a:lnSpc>
+                        <a:spcBef>
+                          <a:spcPts val="0"/>
+                        </a:spcBef>
+                        <a:spcAft>
+                          <a:spcPts val="0"/>
+                        </a:spcAft>
+                        <a:buClrTx/>
+                        <a:buSzTx/>
+                        <a:buFontTx/>
+                        <a:buNone/>
+                        <a:tabLst/>
+                        <a:defRPr/>
+                      </a:pPr>
+                      <a:r>
+                        <a:rPr lang="ko-KR" altLang="en-US" sz="850" b="0" kern="1200" dirty="0" smtClean="0">
+                          <a:solidFill>
+                            <a:schemeClr val="dk1"/>
+                          </a:solidFill>
+                          <a:latin typeface="+mn-ea"/>
+                          <a:ea typeface="+mn-ea"/>
+                          <a:cs typeface="+mn-cs"/>
+                        </a:rPr>
+                        <a:t> </a:t>
+                      </a:r>
+                      <a:r>
+                        <a:rPr lang="en-US" altLang="ko-KR" sz="850" b="0" kern="1200" dirty="0" smtClean="0">
+                          <a:solidFill>
+                            <a:schemeClr val="dk1"/>
+                          </a:solidFill>
+                          <a:latin typeface="+mn-ea"/>
+                          <a:ea typeface="+mn-ea"/>
+                          <a:cs typeface="+mn-cs"/>
+                        </a:rPr>
+                        <a:t>- copy</a:t>
+                      </a:r>
+                      <a:r>
+                        <a:rPr lang="ko-KR" altLang="en-US" sz="850" b="0" kern="1200" dirty="0" smtClean="0">
+                          <a:solidFill>
+                            <a:schemeClr val="dk1"/>
+                          </a:solidFill>
+                          <a:latin typeface="+mn-ea"/>
+                          <a:ea typeface="+mn-ea"/>
+                          <a:cs typeface="+mn-cs"/>
+                        </a:rPr>
+                        <a:t>레이아웃 추가</a:t>
+                      </a:r>
+                    </a:p>
+                    <a:p>
+                      <a:pPr marL="0" marR="0" lvl="0" indent="0" algn="just" defTabSz="914400" rtl="0" eaLnBrk="1" fontAlgn="auto" latinLnBrk="1" hangingPunct="1">
+                        <a:lnSpc>
+                          <a:spcPct val="120000"/>
+                        </a:lnSpc>
+                        <a:spcBef>
+                          <a:spcPts val="0"/>
+                        </a:spcBef>
+                        <a:spcAft>
+                          <a:spcPts val="0"/>
+                        </a:spcAft>
+                        <a:buClrTx/>
+                        <a:buSzTx/>
+                        <a:buFontTx/>
+                        <a:buNone/>
+                        <a:tabLst/>
+                        <a:defRPr/>
+                      </a:pPr>
+                      <a:r>
+                        <a:rPr lang="ko-KR" altLang="en-US" sz="850" b="0" kern="1200" dirty="0" smtClean="0">
+                          <a:solidFill>
+                            <a:schemeClr val="dk1"/>
+                          </a:solidFill>
+                          <a:latin typeface="+mn-ea"/>
+                          <a:ea typeface="+mn-ea"/>
+                          <a:cs typeface="+mn-cs"/>
+                        </a:rPr>
+                        <a:t> </a:t>
+                      </a:r>
+                      <a:r>
+                        <a:rPr lang="en-US" altLang="ko-KR" sz="850" b="0" kern="1200" dirty="0" smtClean="0">
+                          <a:solidFill>
+                            <a:schemeClr val="dk1"/>
+                          </a:solidFill>
+                          <a:latin typeface="+mn-ea"/>
+                          <a:ea typeface="+mn-ea"/>
+                          <a:cs typeface="+mn-cs"/>
+                        </a:rPr>
+                        <a:t>- </a:t>
+                      </a:r>
+                      <a:r>
+                        <a:rPr lang="ko-KR" altLang="en-US" sz="850" b="0" kern="1200" dirty="0" err="1" smtClean="0">
+                          <a:solidFill>
+                            <a:schemeClr val="dk1"/>
+                          </a:solidFill>
+                          <a:latin typeface="+mn-ea"/>
+                          <a:ea typeface="+mn-ea"/>
+                          <a:cs typeface="+mn-cs"/>
+                        </a:rPr>
+                        <a:t>미리보기</a:t>
+                      </a:r>
+                      <a:r>
+                        <a:rPr lang="ko-KR" altLang="en-US" sz="850" b="0" kern="1200" dirty="0" smtClean="0">
+                          <a:solidFill>
+                            <a:schemeClr val="dk1"/>
+                          </a:solidFill>
+                          <a:latin typeface="+mn-ea"/>
+                          <a:ea typeface="+mn-ea"/>
+                          <a:cs typeface="+mn-cs"/>
+                        </a:rPr>
+                        <a:t> </a:t>
+                      </a:r>
+                      <a:r>
+                        <a:rPr lang="en-US" altLang="ko-KR" sz="850" b="0" kern="1200" dirty="0" err="1" smtClean="0">
+                          <a:solidFill>
+                            <a:schemeClr val="dk1"/>
+                          </a:solidFill>
+                          <a:latin typeface="+mn-ea"/>
+                          <a:ea typeface="+mn-ea"/>
+                          <a:cs typeface="+mn-cs"/>
+                        </a:rPr>
+                        <a:t>btn</a:t>
+                      </a:r>
+                      <a:r>
+                        <a:rPr lang="en-US" altLang="ko-KR" sz="850" b="0" kern="1200" dirty="0" smtClean="0">
+                          <a:solidFill>
+                            <a:schemeClr val="dk1"/>
+                          </a:solidFill>
+                          <a:latin typeface="+mn-ea"/>
+                          <a:ea typeface="+mn-ea"/>
+                          <a:cs typeface="+mn-cs"/>
+                        </a:rPr>
+                        <a:t> z-index up</a:t>
+                      </a:r>
+                      <a:endParaRPr lang="ko-KR" altLang="en-US" sz="850" b="0" kern="1200" dirty="0">
                         <a:solidFill>
-                          <a:schemeClr val="tx1"/>
+                          <a:schemeClr val="dk1"/>
                         </a:solidFill>
                         <a:latin typeface="+mn-ea"/>
+                        <a:ea typeface="+mn-ea"/>
+                        <a:cs typeface="+mn-cs"/>
                       </a:endParaRPr>
                     </a:p>
                   </a:txBody>
@@ -3911,7 +4309,7 @@
                 </a:tc>
                 <a:extLst>
                   <a:ext uri="{0D108BD9-81ED-4DB2-BD59-A6C34878D82A}">
-                    <a16:rowId xmlns:a16="http://schemas.microsoft.com/office/drawing/2014/main" val="2972133637"/>
+                    <a16:rowId xmlns:a16="http://schemas.microsoft.com/office/drawing/2014/main" xmlns="" val="2972133637"/>
                   </a:ext>
                 </a:extLst>
               </a:tr>
@@ -3927,15 +4325,23 @@
                         </a:lnSpc>
                       </a:pPr>
                       <a:r>
-                        <a:rPr lang="en-US" altLang="ko-KR" sz="850" b="0" dirty="0">
-                          <a:latin typeface="+mn-ea"/>
-                          <a:ea typeface="+mn-ea"/>
+                        <a:rPr lang="en-US" altLang="ko-KR" sz="850" b="0" kern="1200" dirty="0">
+                          <a:solidFill>
+                            <a:schemeClr val="dk1"/>
+                          </a:solidFill>
+                          <a:latin typeface="+mn-ea"/>
+                          <a:ea typeface="+mn-ea"/>
+                          <a:cs typeface="+mn-cs"/>
                         </a:rPr>
                         <a:t>3</a:t>
                       </a:r>
-                      <a:endParaRPr lang="ko-KR" altLang="en-US" sz="850" b="0" dirty="0">
+                      <a:endParaRPr lang="ko-KR" altLang="en-US" sz="850" b="0" kern="1200" dirty="0">
+                        <a:solidFill>
+                          <a:schemeClr val="dk1"/>
+                        </a:solidFill>
                         <a:latin typeface="+mn-ea"/>
                         <a:ea typeface="+mn-ea"/>
+                        <a:cs typeface="+mn-cs"/>
                       </a:endParaRPr>
                     </a:p>
                   </a:txBody>
@@ -3996,9 +4402,335 @@
                           <a:spcPct val="120000"/>
                         </a:lnSpc>
                       </a:pPr>
-                      <a:endParaRPr lang="ko-KR" altLang="en-US" sz="850" b="0" dirty="0">
+                      <a:r>
+                        <a:rPr lang="ko-KR" altLang="en-US" sz="850" b="0" kern="1200" dirty="0" err="1" smtClean="0">
+                          <a:solidFill>
+                            <a:schemeClr val="dk1"/>
+                          </a:solidFill>
+                          <a:latin typeface="+mn-ea"/>
+                          <a:ea typeface="+mn-ea"/>
+                          <a:cs typeface="+mn-cs"/>
+                        </a:rPr>
+                        <a:t>미리보기</a:t>
+                      </a:r>
+                      <a:r>
+                        <a:rPr lang="ko-KR" altLang="en-US" sz="850" b="0" kern="1200" dirty="0" smtClean="0">
+                          <a:solidFill>
+                            <a:schemeClr val="dk1"/>
+                          </a:solidFill>
+                          <a:latin typeface="+mn-ea"/>
+                          <a:ea typeface="+mn-ea"/>
+                          <a:cs typeface="+mn-cs"/>
+                        </a:rPr>
+                        <a:t> </a:t>
+                      </a:r>
+                      <a:r>
+                        <a:rPr lang="en-US" altLang="ko-KR" sz="850" b="0" kern="1200" dirty="0" smtClean="0">
+                          <a:solidFill>
+                            <a:schemeClr val="dk1"/>
+                          </a:solidFill>
+                          <a:latin typeface="+mn-ea"/>
+                          <a:ea typeface="+mn-ea"/>
+                          <a:cs typeface="+mn-cs"/>
+                        </a:rPr>
+                        <a:t>.open-modal </a:t>
+                      </a:r>
+                      <a:r>
+                        <a:rPr lang="ko-KR" altLang="en-US" sz="850" b="0" kern="1200" dirty="0" smtClean="0">
+                          <a:solidFill>
+                            <a:schemeClr val="dk1"/>
+                          </a:solidFill>
+                          <a:latin typeface="+mn-ea"/>
+                          <a:ea typeface="+mn-ea"/>
+                          <a:cs typeface="+mn-cs"/>
+                        </a:rPr>
+                        <a:t>클릭 시</a:t>
+                      </a:r>
+                    </a:p>
+                    <a:p>
+                      <a:pPr algn="just" latinLnBrk="1">
+                        <a:lnSpc>
+                          <a:spcPct val="120000"/>
+                        </a:lnSpc>
+                      </a:pPr>
+                      <a:r>
+                        <a:rPr lang="ko-KR" altLang="en-US" sz="850" b="0" kern="1200" dirty="0" smtClean="0">
+                          <a:solidFill>
+                            <a:schemeClr val="dk1"/>
+                          </a:solidFill>
+                          <a:latin typeface="+mn-ea"/>
+                          <a:ea typeface="+mn-ea"/>
+                          <a:cs typeface="+mn-cs"/>
+                        </a:rPr>
+                        <a:t> </a:t>
+                      </a:r>
+                      <a:r>
+                        <a:rPr lang="en-US" altLang="ko-KR" sz="850" b="0" kern="1200" dirty="0" smtClean="0">
+                          <a:solidFill>
+                            <a:schemeClr val="dk1"/>
+                          </a:solidFill>
+                          <a:latin typeface="+mn-ea"/>
+                          <a:ea typeface="+mn-ea"/>
+                          <a:cs typeface="+mn-cs"/>
+                        </a:rPr>
+                        <a:t>- #</a:t>
+                      </a:r>
+                      <a:r>
+                        <a:rPr lang="en-US" altLang="ko-KR" sz="850" b="0" kern="1200" dirty="0" err="1" smtClean="0">
+                          <a:solidFill>
+                            <a:schemeClr val="dk1"/>
+                          </a:solidFill>
+                          <a:latin typeface="+mn-ea"/>
+                          <a:ea typeface="+mn-ea"/>
+                          <a:cs typeface="+mn-cs"/>
+                        </a:rPr>
+                        <a:t>modal_sample</a:t>
+                      </a:r>
+                      <a:r>
+                        <a:rPr lang="en-US" altLang="ko-KR" sz="850" b="0" kern="1200" dirty="0" smtClean="0">
+                          <a:solidFill>
+                            <a:schemeClr val="dk1"/>
+                          </a:solidFill>
+                          <a:latin typeface="+mn-ea"/>
+                          <a:ea typeface="+mn-ea"/>
+                          <a:cs typeface="+mn-cs"/>
+                        </a:rPr>
+                        <a:t> .modal-content</a:t>
+                      </a:r>
+                      <a:r>
+                        <a:rPr lang="ko-KR" altLang="en-US" sz="850" b="0" kern="1200" dirty="0" smtClean="0">
+                          <a:solidFill>
+                            <a:schemeClr val="dk1"/>
+                          </a:solidFill>
+                          <a:latin typeface="+mn-ea"/>
+                          <a:ea typeface="+mn-ea"/>
+                          <a:cs typeface="+mn-cs"/>
+                        </a:rPr>
+                        <a:t>에 </a:t>
+                      </a:r>
+                      <a:r>
+                        <a:rPr lang="en-US" altLang="ko-KR" sz="850" b="0" kern="1200" dirty="0" smtClean="0">
+                          <a:solidFill>
+                            <a:schemeClr val="dk1"/>
+                          </a:solidFill>
+                          <a:latin typeface="+mn-ea"/>
+                          <a:ea typeface="+mn-ea"/>
+                          <a:cs typeface="+mn-cs"/>
+                        </a:rPr>
+                        <a:t>.</a:t>
+                      </a:r>
+                      <a:r>
+                        <a:rPr lang="en-US" altLang="ko-KR" sz="850" b="0" kern="1200" dirty="0" err="1" smtClean="0">
+                          <a:solidFill>
+                            <a:schemeClr val="dk1"/>
+                          </a:solidFill>
+                          <a:latin typeface="+mn-ea"/>
+                          <a:ea typeface="+mn-ea"/>
+                          <a:cs typeface="+mn-cs"/>
+                        </a:rPr>
+                        <a:t>modalContents</a:t>
+                      </a:r>
+                      <a:r>
+                        <a:rPr lang="en-US" altLang="ko-KR" sz="850" b="0" kern="1200" dirty="0" smtClean="0">
+                          <a:solidFill>
+                            <a:schemeClr val="dk1"/>
+                          </a:solidFill>
+                          <a:latin typeface="+mn-ea"/>
+                          <a:ea typeface="+mn-ea"/>
+                          <a:cs typeface="+mn-cs"/>
+                        </a:rPr>
+                        <a:t> </a:t>
+                      </a:r>
+                      <a:r>
+                        <a:rPr lang="ko-KR" altLang="en-US" sz="850" b="0" kern="1200" dirty="0" smtClean="0">
+                          <a:solidFill>
+                            <a:schemeClr val="dk1"/>
+                          </a:solidFill>
+                          <a:latin typeface="+mn-ea"/>
+                          <a:ea typeface="+mn-ea"/>
+                          <a:cs typeface="+mn-cs"/>
+                        </a:rPr>
+                        <a:t>코드 삽입해 띄움</a:t>
+                      </a:r>
+                      <a:r>
+                        <a:rPr lang="en-US" altLang="ko-KR" sz="850" b="0" kern="1200" dirty="0" smtClean="0">
+                          <a:solidFill>
+                            <a:schemeClr val="dk1"/>
+                          </a:solidFill>
+                          <a:latin typeface="+mn-ea"/>
+                          <a:ea typeface="+mn-ea"/>
+                          <a:cs typeface="+mn-cs"/>
+                        </a:rPr>
+                        <a:t>.</a:t>
+                      </a:r>
+                    </a:p>
+                    <a:p>
+                      <a:pPr algn="just" latinLnBrk="1">
+                        <a:lnSpc>
+                          <a:spcPct val="120000"/>
+                        </a:lnSpc>
+                      </a:pPr>
+                      <a:r>
+                        <a:rPr lang="ko-KR" altLang="en-US" sz="850" b="0" kern="1200" dirty="0" smtClean="0">
+                          <a:solidFill>
+                            <a:schemeClr val="dk1"/>
+                          </a:solidFill>
+                          <a:latin typeface="+mn-ea"/>
+                          <a:ea typeface="+mn-ea"/>
+                          <a:cs typeface="+mn-cs"/>
+                        </a:rPr>
+                        <a:t> </a:t>
+                      </a:r>
+                      <a:r>
+                        <a:rPr lang="en-US" altLang="ko-KR" sz="850" b="0" kern="1200" dirty="0" smtClean="0">
+                          <a:solidFill>
+                            <a:schemeClr val="dk1"/>
+                          </a:solidFill>
+                          <a:latin typeface="+mn-ea"/>
+                          <a:ea typeface="+mn-ea"/>
+                          <a:cs typeface="+mn-cs"/>
+                        </a:rPr>
+                        <a:t>- </a:t>
+                      </a:r>
+                      <a:r>
+                        <a:rPr lang="ko-KR" altLang="en-US" sz="850" b="0" kern="1200" dirty="0" smtClean="0">
+                          <a:solidFill>
+                            <a:schemeClr val="dk1"/>
+                          </a:solidFill>
+                          <a:latin typeface="+mn-ea"/>
+                          <a:ea typeface="+mn-ea"/>
+                          <a:cs typeface="+mn-cs"/>
+                        </a:rPr>
+                        <a:t>*예외</a:t>
+                      </a:r>
+                      <a:r>
+                        <a:rPr lang="en-US" altLang="ko-KR" sz="850" b="0" kern="1200" dirty="0" smtClean="0">
+                          <a:solidFill>
+                            <a:schemeClr val="dk1"/>
+                          </a:solidFill>
+                          <a:latin typeface="+mn-ea"/>
+                          <a:ea typeface="+mn-ea"/>
+                          <a:cs typeface="+mn-cs"/>
+                        </a:rPr>
+                        <a:t>: header, footer</a:t>
+                      </a:r>
+                      <a:r>
+                        <a:rPr lang="ko-KR" altLang="en-US" sz="850" b="0" kern="1200" dirty="0" smtClean="0">
+                          <a:solidFill>
+                            <a:schemeClr val="dk1"/>
+                          </a:solidFill>
+                          <a:latin typeface="+mn-ea"/>
+                          <a:ea typeface="+mn-ea"/>
+                          <a:cs typeface="+mn-cs"/>
+                        </a:rPr>
+                        <a:t>와 같은 </a:t>
+                      </a:r>
+                      <a:r>
+                        <a:rPr lang="en-US" altLang="ko-KR" sz="850" b="0" kern="1200" dirty="0" smtClean="0">
+                          <a:solidFill>
+                            <a:schemeClr val="dk1"/>
+                          </a:solidFill>
+                          <a:latin typeface="+mn-ea"/>
+                          <a:ea typeface="+mn-ea"/>
+                          <a:cs typeface="+mn-cs"/>
+                        </a:rPr>
+                        <a:t>width</a:t>
+                      </a:r>
+                      <a:r>
+                        <a:rPr lang="ko-KR" altLang="en-US" sz="850" b="0" kern="1200" dirty="0" smtClean="0">
+                          <a:solidFill>
+                            <a:schemeClr val="dk1"/>
+                          </a:solidFill>
+                          <a:latin typeface="+mn-ea"/>
+                          <a:ea typeface="+mn-ea"/>
+                          <a:cs typeface="+mn-cs"/>
+                        </a:rPr>
+                        <a:t>가 넓은 </a:t>
+                      </a:r>
+                      <a:r>
+                        <a:rPr lang="ko-KR" altLang="en-US" sz="850" b="0" kern="1200" dirty="0" err="1" smtClean="0">
+                          <a:solidFill>
+                            <a:schemeClr val="dk1"/>
+                          </a:solidFill>
+                          <a:latin typeface="+mn-ea"/>
+                          <a:ea typeface="+mn-ea"/>
+                          <a:cs typeface="+mn-cs"/>
+                        </a:rPr>
+                        <a:t>코드일경우</a:t>
+                      </a:r>
+                      <a:r>
+                        <a:rPr lang="ko-KR" altLang="en-US" sz="850" b="0" kern="1200" dirty="0" smtClean="0">
+                          <a:solidFill>
+                            <a:schemeClr val="dk1"/>
+                          </a:solidFill>
+                          <a:latin typeface="+mn-ea"/>
+                          <a:ea typeface="+mn-ea"/>
+                          <a:cs typeface="+mn-cs"/>
+                        </a:rPr>
+                        <a:t> 코드가 아닌 </a:t>
+                      </a:r>
+                      <a:r>
+                        <a:rPr lang="ko-KR" altLang="en-US" sz="850" b="0" kern="1200" dirty="0" err="1" smtClean="0">
+                          <a:solidFill>
+                            <a:schemeClr val="dk1"/>
+                          </a:solidFill>
+                          <a:latin typeface="+mn-ea"/>
+                          <a:ea typeface="+mn-ea"/>
+                          <a:cs typeface="+mn-cs"/>
+                        </a:rPr>
+                        <a:t>캡쳐본</a:t>
+                      </a:r>
+                      <a:r>
+                        <a:rPr lang="ko-KR" altLang="en-US" sz="850" b="0" kern="1200" dirty="0" smtClean="0">
+                          <a:solidFill>
+                            <a:schemeClr val="dk1"/>
+                          </a:solidFill>
+                          <a:latin typeface="+mn-ea"/>
+                          <a:ea typeface="+mn-ea"/>
+                          <a:cs typeface="+mn-cs"/>
+                        </a:rPr>
+                        <a:t> </a:t>
+                      </a:r>
+                      <a:r>
+                        <a:rPr lang="en-US" altLang="ko-KR" sz="850" b="0" kern="1200" dirty="0" err="1" smtClean="0">
+                          <a:solidFill>
+                            <a:schemeClr val="dk1"/>
+                          </a:solidFill>
+                          <a:latin typeface="+mn-ea"/>
+                          <a:ea typeface="+mn-ea"/>
+                          <a:cs typeface="+mn-cs"/>
+                        </a:rPr>
+                        <a:t>img</a:t>
+                      </a:r>
+                      <a:r>
+                        <a:rPr lang="ko-KR" altLang="en-US" sz="850" b="0" kern="1200" dirty="0" smtClean="0">
+                          <a:solidFill>
+                            <a:schemeClr val="dk1"/>
+                          </a:solidFill>
+                          <a:latin typeface="+mn-ea"/>
+                          <a:ea typeface="+mn-ea"/>
+                          <a:cs typeface="+mn-cs"/>
+                        </a:rPr>
+                        <a:t>로 대체해 띠움</a:t>
+                      </a:r>
+                      <a:r>
+                        <a:rPr lang="en-US" altLang="ko-KR" sz="850" b="0" kern="1200" dirty="0" smtClean="0">
+                          <a:solidFill>
+                            <a:schemeClr val="dk1"/>
+                          </a:solidFill>
+                          <a:latin typeface="+mn-ea"/>
+                          <a:ea typeface="+mn-ea"/>
+                          <a:cs typeface="+mn-cs"/>
+                        </a:rPr>
+                        <a:t>.</a:t>
+                      </a:r>
+                      <a:endParaRPr lang="ko-KR" altLang="en-US" sz="850" b="0" kern="1200" dirty="0">
+                        <a:solidFill>
+                          <a:schemeClr val="dk1"/>
+                        </a:solidFill>
                         <a:latin typeface="+mn-ea"/>
                         <a:ea typeface="+mn-ea"/>
+                        <a:cs typeface="+mn-cs"/>
                       </a:endParaRPr>
                     </a:p>
                   </a:txBody>
@@ -4051,7 +4783,7 @@
                 </a:tc>
                 <a:extLst>
                   <a:ext uri="{0D108BD9-81ED-4DB2-BD59-A6C34878D82A}">
-                    <a16:rowId xmlns:a16="http://schemas.microsoft.com/office/drawing/2014/main" val="2075783758"/>
+                    <a16:rowId xmlns:a16="http://schemas.microsoft.com/office/drawing/2014/main" xmlns="" val="2075783758"/>
                   </a:ext>
                 </a:extLst>
               </a:tr>
@@ -4067,15 +4799,23 @@
                         </a:lnSpc>
                       </a:pPr>
                       <a:r>
-                        <a:rPr lang="en-US" altLang="ko-KR" sz="850" b="0" dirty="0">
-                          <a:latin typeface="+mn-ea"/>
-                          <a:ea typeface="+mn-ea"/>
+                        <a:rPr lang="en-US" altLang="ko-KR" sz="850" b="0" kern="1200" dirty="0">
+                          <a:solidFill>
+                            <a:schemeClr val="dk1"/>
+                          </a:solidFill>
+                          <a:latin typeface="+mn-ea"/>
+                          <a:ea typeface="+mn-ea"/>
+                          <a:cs typeface="+mn-cs"/>
                         </a:rPr>
                         <a:t>4</a:t>
                       </a:r>
-                      <a:endParaRPr lang="ko-KR" altLang="en-US" sz="850" b="0" dirty="0">
+                      <a:endParaRPr lang="ko-KR" altLang="en-US" sz="850" b="0" kern="1200" dirty="0">
+                        <a:solidFill>
+                          <a:schemeClr val="dk1"/>
+                        </a:solidFill>
                         <a:latin typeface="+mn-ea"/>
                         <a:ea typeface="+mn-ea"/>
+                        <a:cs typeface="+mn-cs"/>
                       </a:endParaRPr>
                     </a:p>
                   </a:txBody>
@@ -4148,11 +4888,13 @@
                         <a:tabLst/>
                         <a:defRPr/>
                       </a:pPr>
-                      <a:endParaRPr kumimoji="1" lang="ko-KR" altLang="en-US" sz="850" dirty="0">
+                      <a:endParaRPr lang="ko-KR" altLang="en-US" sz="850" b="0" kern="1200" dirty="0">
                         <a:solidFill>
-                          <a:schemeClr val="tx1"/>
+                          <a:schemeClr val="dk1"/>
                         </a:solidFill>
                         <a:latin typeface="+mn-ea"/>
+                        <a:ea typeface="+mn-ea"/>
+                        <a:cs typeface="+mn-cs"/>
                       </a:endParaRPr>
                     </a:p>
                   </a:txBody>
@@ -4205,7 +4947,7 @@
                 </a:tc>
                 <a:extLst>
                   <a:ext uri="{0D108BD9-81ED-4DB2-BD59-A6C34878D82A}">
-                    <a16:rowId xmlns:a16="http://schemas.microsoft.com/office/drawing/2014/main" val="1068123190"/>
+                    <a16:rowId xmlns:a16="http://schemas.microsoft.com/office/drawing/2014/main" xmlns="" val="1068123190"/>
                   </a:ext>
                 </a:extLst>
               </a:tr>
@@ -4221,15 +4963,23 @@
                         </a:lnSpc>
                       </a:pPr>
                       <a:r>
-                        <a:rPr lang="en-US" altLang="ko-KR" sz="850" b="0" dirty="0">
-                          <a:latin typeface="+mn-ea"/>
-                          <a:ea typeface="+mn-ea"/>
+                        <a:rPr lang="en-US" altLang="ko-KR" sz="850" b="0" kern="1200" dirty="0">
+                          <a:solidFill>
+                            <a:schemeClr val="dk1"/>
+                          </a:solidFill>
+                          <a:latin typeface="+mn-ea"/>
+                          <a:ea typeface="+mn-ea"/>
+                          <a:cs typeface="+mn-cs"/>
                         </a:rPr>
                         <a:t>5</a:t>
                       </a:r>
-                      <a:endParaRPr lang="ko-KR" altLang="en-US" sz="850" b="0" dirty="0">
+                      <a:endParaRPr lang="ko-KR" altLang="en-US" sz="850" b="0" kern="1200" dirty="0">
+                        <a:solidFill>
+                          <a:schemeClr val="dk1"/>
+                        </a:solidFill>
                         <a:latin typeface="+mn-ea"/>
                         <a:ea typeface="+mn-ea"/>
+                        <a:cs typeface="+mn-cs"/>
                       </a:endParaRPr>
                     </a:p>
                   </a:txBody>
@@ -4290,9 +5040,13 @@
                           <a:spcPct val="120000"/>
                         </a:lnSpc>
                       </a:pPr>
-                      <a:endParaRPr lang="ko-KR" altLang="en-US" sz="850" b="0" dirty="0">
+                      <a:endParaRPr lang="ko-KR" altLang="en-US" sz="850" b="0" kern="1200" dirty="0">
+                        <a:solidFill>
+                          <a:schemeClr val="dk1"/>
+                        </a:solidFill>
                         <a:latin typeface="+mn-ea"/>
                         <a:ea typeface="+mn-ea"/>
+                        <a:cs typeface="+mn-cs"/>
                       </a:endParaRPr>
                     </a:p>
                   </a:txBody>
@@ -4345,7 +5099,7 @@
                 </a:tc>
                 <a:extLst>
                   <a:ext uri="{0D108BD9-81ED-4DB2-BD59-A6C34878D82A}">
-                    <a16:rowId xmlns:a16="http://schemas.microsoft.com/office/drawing/2014/main" val="1494350657"/>
+                    <a16:rowId xmlns:a16="http://schemas.microsoft.com/office/drawing/2014/main" xmlns="" val="1494350657"/>
                   </a:ext>
                 </a:extLst>
               </a:tr>
@@ -4361,15 +5115,23 @@
                         </a:lnSpc>
                       </a:pPr>
                       <a:r>
-                        <a:rPr lang="en-US" altLang="ko-KR" sz="850" b="0" dirty="0">
-                          <a:latin typeface="+mn-ea"/>
-                          <a:ea typeface="+mn-ea"/>
+                        <a:rPr lang="en-US" altLang="ko-KR" sz="850" b="0" kern="1200" dirty="0">
+                          <a:solidFill>
+                            <a:schemeClr val="dk1"/>
+                          </a:solidFill>
+                          <a:latin typeface="+mn-ea"/>
+                          <a:ea typeface="+mn-ea"/>
+                          <a:cs typeface="+mn-cs"/>
                         </a:rPr>
                         <a:t>6</a:t>
                       </a:r>
-                      <a:endParaRPr lang="ko-KR" altLang="en-US" sz="850" b="0" dirty="0">
+                      <a:endParaRPr lang="ko-KR" altLang="en-US" sz="850" b="0" kern="1200" dirty="0">
+                        <a:solidFill>
+                          <a:schemeClr val="dk1"/>
+                        </a:solidFill>
                         <a:latin typeface="+mn-ea"/>
                         <a:ea typeface="+mn-ea"/>
+                        <a:cs typeface="+mn-cs"/>
                       </a:endParaRPr>
                     </a:p>
                   </a:txBody>
@@ -4430,9 +5192,13 @@
                           <a:spcPct val="120000"/>
                         </a:lnSpc>
                       </a:pPr>
-                      <a:endParaRPr lang="ko-KR" altLang="en-US" sz="850" b="0" dirty="0">
+                      <a:endParaRPr lang="ko-KR" altLang="en-US" sz="850" b="0" kern="1200" dirty="0">
+                        <a:solidFill>
+                          <a:schemeClr val="dk1"/>
+                        </a:solidFill>
                         <a:latin typeface="+mn-ea"/>
                         <a:ea typeface="+mn-ea"/>
+                        <a:cs typeface="+mn-cs"/>
                       </a:endParaRPr>
                     </a:p>
                   </a:txBody>
@@ -4485,7 +5251,7 @@
                 </a:tc>
                 <a:extLst>
                   <a:ext uri="{0D108BD9-81ED-4DB2-BD59-A6C34878D82A}">
-                    <a16:rowId xmlns:a16="http://schemas.microsoft.com/office/drawing/2014/main" val="1839284551"/>
+                    <a16:rowId xmlns:a16="http://schemas.microsoft.com/office/drawing/2014/main" xmlns="" val="1839284551"/>
                   </a:ext>
                 </a:extLst>
               </a:tr>
@@ -4501,15 +5267,23 @@
                         </a:lnSpc>
                       </a:pPr>
                       <a:r>
-                        <a:rPr lang="en-US" altLang="ko-KR" sz="850" b="0" dirty="0">
-                          <a:latin typeface="+mn-ea"/>
-                          <a:ea typeface="+mn-ea"/>
+                        <a:rPr lang="en-US" altLang="ko-KR" sz="850" b="0" kern="1200" dirty="0">
+                          <a:solidFill>
+                            <a:schemeClr val="dk1"/>
+                          </a:solidFill>
+                          <a:latin typeface="+mn-ea"/>
+                          <a:ea typeface="+mn-ea"/>
+                          <a:cs typeface="+mn-cs"/>
                         </a:rPr>
                         <a:t>7</a:t>
                       </a:r>
-                      <a:endParaRPr lang="ko-KR" altLang="en-US" sz="850" b="0" dirty="0">
+                      <a:endParaRPr lang="ko-KR" altLang="en-US" sz="850" b="0" kern="1200" dirty="0">
+                        <a:solidFill>
+                          <a:schemeClr val="dk1"/>
+                        </a:solidFill>
                         <a:latin typeface="+mn-ea"/>
                         <a:ea typeface="+mn-ea"/>
+                        <a:cs typeface="+mn-cs"/>
                       </a:endParaRPr>
                     </a:p>
                   </a:txBody>
@@ -4570,9 +5344,13 @@
                           <a:spcPct val="120000"/>
                         </a:lnSpc>
                       </a:pPr>
-                      <a:endParaRPr lang="ko-KR" altLang="en-US" sz="850" b="0" dirty="0">
+                      <a:endParaRPr lang="ko-KR" altLang="en-US" sz="850" b="0" kern="1200" dirty="0">
+                        <a:solidFill>
+                          <a:schemeClr val="dk1"/>
+                        </a:solidFill>
                         <a:latin typeface="+mn-ea"/>
                         <a:ea typeface="+mn-ea"/>
+                        <a:cs typeface="+mn-cs"/>
                       </a:endParaRPr>
                     </a:p>
                   </a:txBody>
@@ -4625,7 +5403,7 @@
                 </a:tc>
                 <a:extLst>
                   <a:ext uri="{0D108BD9-81ED-4DB2-BD59-A6C34878D82A}">
-                    <a16:rowId xmlns:a16="http://schemas.microsoft.com/office/drawing/2014/main" val="1199453169"/>
+                    <a16:rowId xmlns:a16="http://schemas.microsoft.com/office/drawing/2014/main" xmlns="" val="1199453169"/>
                   </a:ext>
                 </a:extLst>
               </a:tr>
@@ -4638,7 +5416,7 @@
           <p:cNvPr id="8" name="TextBox 7">
             <a:extLst>
               <a:ext uri="{FF2B5EF4-FFF2-40B4-BE49-F238E27FC236}">
-                <a16:creationId xmlns:a16="http://schemas.microsoft.com/office/drawing/2014/main" id="{DDF58C48-5157-4FFA-B714-C02B198B9885}"/>
+                <a16:creationId xmlns:a16="http://schemas.microsoft.com/office/drawing/2014/main" xmlns="" id="{DDF58C48-5157-4FFA-B714-C02B198B9885}"/>
               </a:ext>
             </a:extLst>
           </p:cNvPr>
@@ -4671,10 +5449,10 @@
       </p:sp>
       <p:pic>
         <p:nvPicPr>
-          <p:cNvPr id="19" name="그림 18">
+          <p:cNvPr id="21" name="그림 20">
             <a:extLst>
               <a:ext uri="{FF2B5EF4-FFF2-40B4-BE49-F238E27FC236}">
-                <a16:creationId xmlns:a16="http://schemas.microsoft.com/office/drawing/2014/main" id="{98AE8E9E-1404-0533-F2EE-5971A5142730}"/>
+                <a16:creationId xmlns:a16="http://schemas.microsoft.com/office/drawing/2014/main" xmlns="" id="{4408DDAA-E2C7-04D8-3656-6D53C547E030}"/>
               </a:ext>
             </a:extLst>
           </p:cNvPr>
@@ -4684,66 +5462,7 @@
           <p:nvPr/>
         </p:nvPicPr>
         <p:blipFill rotWithShape="1">
-          <a:blip r:embed="rId2"/>
-          <a:srcRect l="947" t="12032" r="1466" b="62588"/>
-          <a:stretch/>
-        </p:blipFill>
-        <p:spPr>
-          <a:xfrm>
-            <a:off x="1019644" y="639177"/>
-            <a:ext cx="6354248" cy="899756"/>
-          </a:xfrm>
-          <a:prstGeom prst="rect">
-            <a:avLst/>
-          </a:prstGeom>
-        </p:spPr>
-      </p:pic>
-      <p:pic>
-        <p:nvPicPr>
-          <p:cNvPr id="11" name="그림 10">
-            <a:extLst>
-              <a:ext uri="{FF2B5EF4-FFF2-40B4-BE49-F238E27FC236}">
-                <a16:creationId xmlns:a16="http://schemas.microsoft.com/office/drawing/2014/main" id="{7C2401E7-5C3D-E067-AADE-51D8B84BEA2F}"/>
-              </a:ext>
-            </a:extLst>
-          </p:cNvPr>
-          <p:cNvPicPr>
-            <a:picLocks noChangeAspect="1"/>
-          </p:cNvPicPr>
-          <p:nvPr/>
-        </p:nvPicPr>
-        <p:blipFill>
           <a:blip r:embed="rId3"/>
-          <a:stretch>
-            <a:fillRect/>
-          </a:stretch>
-        </p:blipFill>
-        <p:spPr>
-          <a:xfrm>
-            <a:off x="1654402" y="1675521"/>
-            <a:ext cx="4873646" cy="1381180"/>
-          </a:xfrm>
-          <a:prstGeom prst="rect">
-            <a:avLst/>
-          </a:prstGeom>
-        </p:spPr>
-      </p:pic>
-      <p:pic>
-        <p:nvPicPr>
-          <p:cNvPr id="21" name="그림 20">
-            <a:extLst>
-              <a:ext uri="{FF2B5EF4-FFF2-40B4-BE49-F238E27FC236}">
-                <a16:creationId xmlns:a16="http://schemas.microsoft.com/office/drawing/2014/main" id="{4408DDAA-E2C7-04D8-3656-6D53C547E030}"/>
-              </a:ext>
-            </a:extLst>
-          </p:cNvPr>
-          <p:cNvPicPr>
-            <a:picLocks noChangeAspect="1"/>
-          </p:cNvPicPr>
-          <p:nvPr/>
-        </p:nvPicPr>
-        <p:blipFill rotWithShape="1">
-          <a:blip r:embed="rId4"/>
           <a:srcRect l="979" t="38067" r="1336"/>
           <a:stretch/>
         </p:blipFill>
@@ -4757,42 +5476,12 @@
           </a:prstGeom>
         </p:spPr>
       </p:pic>
-      <p:pic>
-        <p:nvPicPr>
-          <p:cNvPr id="22" name="그림 21">
-            <a:extLst>
-              <a:ext uri="{FF2B5EF4-FFF2-40B4-BE49-F238E27FC236}">
-                <a16:creationId xmlns:a16="http://schemas.microsoft.com/office/drawing/2014/main" id="{E95F2969-A7DC-C127-FBBB-166BCC3A881A}"/>
-              </a:ext>
-            </a:extLst>
-          </p:cNvPr>
-          <p:cNvPicPr>
-            <a:picLocks noChangeAspect="1"/>
-          </p:cNvPicPr>
-          <p:nvPr/>
-        </p:nvPicPr>
-        <p:blipFill>
-          <a:blip r:embed="rId3"/>
-          <a:stretch>
-            <a:fillRect/>
-          </a:stretch>
-        </p:blipFill>
-        <p:spPr>
-          <a:xfrm>
-            <a:off x="1654402" y="3072468"/>
-            <a:ext cx="4873646" cy="1381180"/>
-          </a:xfrm>
-          <a:prstGeom prst="rect">
-            <a:avLst/>
-          </a:prstGeom>
-        </p:spPr>
-      </p:pic>
       <p:sp>
         <p:nvSpPr>
           <p:cNvPr id="23" name="타원 22">
             <a:extLst>
               <a:ext uri="{FF2B5EF4-FFF2-40B4-BE49-F238E27FC236}">
-                <a16:creationId xmlns:a16="http://schemas.microsoft.com/office/drawing/2014/main" id="{817CDA13-A134-E5DD-3762-6B9EA517D19A}"/>
+                <a16:creationId xmlns:a16="http://schemas.microsoft.com/office/drawing/2014/main" xmlns="" id="{817CDA13-A134-E5DD-3762-6B9EA517D19A}"/>
               </a:ext>
             </a:extLst>
           </p:cNvPr>
@@ -4801,7 +5490,7 @@
         </p:nvSpPr>
         <p:spPr>
           <a:xfrm>
-            <a:off x="1626503" y="1623799"/>
+            <a:off x="1559495" y="1484784"/>
             <a:ext cx="221025" cy="221025"/>
           </a:xfrm>
           <a:prstGeom prst="ellipse">
@@ -4843,6 +5532,370 @@
           </a:p>
         </p:txBody>
       </p:sp>
+      <p:pic>
+        <p:nvPicPr>
+          <p:cNvPr id="3" name="그림 2"/>
+          <p:cNvPicPr>
+            <a:picLocks noChangeAspect="1"/>
+          </p:cNvPicPr>
+          <p:nvPr/>
+        </p:nvPicPr>
+        <p:blipFill rotWithShape="1">
+          <a:blip r:embed="rId4"/>
+          <a:srcRect l="11911" r="11338"/>
+          <a:stretch/>
+        </p:blipFill>
+        <p:spPr>
+          <a:xfrm>
+            <a:off x="983432" y="353526"/>
+            <a:ext cx="6336704" cy="871309"/>
+          </a:xfrm>
+          <a:prstGeom prst="rect">
+            <a:avLst/>
+          </a:prstGeom>
+        </p:spPr>
+      </p:pic>
+      <p:pic>
+        <p:nvPicPr>
+          <p:cNvPr id="6" name="그림 5"/>
+          <p:cNvPicPr>
+            <a:picLocks noChangeAspect="1"/>
+          </p:cNvPicPr>
+          <p:nvPr/>
+        </p:nvPicPr>
+        <p:blipFill>
+          <a:blip r:embed="rId5"/>
+          <a:stretch>
+            <a:fillRect/>
+          </a:stretch>
+        </p:blipFill>
+        <p:spPr>
+          <a:xfrm>
+            <a:off x="3594659" y="3655036"/>
+            <a:ext cx="4727971" cy="2684909"/>
+          </a:xfrm>
+          <a:prstGeom prst="rect">
+            <a:avLst/>
+          </a:prstGeom>
+        </p:spPr>
+      </p:pic>
+      <p:sp>
+        <p:nvSpPr>
+          <p:cNvPr id="14" name="타원 13">
+            <a:extLst>
+              <a:ext uri="{FF2B5EF4-FFF2-40B4-BE49-F238E27FC236}">
+                <a16:creationId xmlns:a16="http://schemas.microsoft.com/office/drawing/2014/main" xmlns="" id="{817CDA13-A134-E5DD-3762-6B9EA517D19A}"/>
+              </a:ext>
+            </a:extLst>
+          </p:cNvPr>
+          <p:cNvSpPr/>
+          <p:nvPr/>
+        </p:nvSpPr>
+        <p:spPr>
+          <a:xfrm>
+            <a:off x="1780198" y="2708920"/>
+            <a:ext cx="221025" cy="221025"/>
+          </a:xfrm>
+          <a:prstGeom prst="ellipse">
+            <a:avLst/>
+          </a:prstGeom>
+          <a:solidFill>
+            <a:srgbClr val="FF0000"/>
+          </a:solidFill>
+          <a:ln>
+            <a:noFill/>
+          </a:ln>
+        </p:spPr>
+        <p:style>
+          <a:lnRef idx="2">
+            <a:schemeClr val="accent1">
+              <a:shade val="15000"/>
+            </a:schemeClr>
+          </a:lnRef>
+          <a:fillRef idx="1">
+            <a:schemeClr val="accent1"/>
+          </a:fillRef>
+          <a:effectRef idx="0">
+            <a:schemeClr val="accent1"/>
+          </a:effectRef>
+          <a:fontRef idx="minor">
+            <a:schemeClr val="lt1"/>
+          </a:fontRef>
+        </p:style>
+        <p:txBody>
+          <a:bodyPr rtlCol="0" anchor="ctr"/>
+          <a:lstStyle/>
+          <a:p>
+            <a:pPr algn="ctr"/>
+            <a:r>
+              <a:rPr lang="en-US" altLang="ko-KR" sz="1100" dirty="0"/>
+              <a:t>3</a:t>
+            </a:r>
+            <a:endParaRPr lang="ko-KR" altLang="en-US" sz="1100" dirty="0"/>
+          </a:p>
+        </p:txBody>
+      </p:sp>
+      <p:cxnSp>
+        <p:nvCxnSpPr>
+          <p:cNvPr id="10" name="직선 화살표 연결선 9"/>
+          <p:cNvCxnSpPr/>
+          <p:nvPr/>
+        </p:nvCxnSpPr>
+        <p:spPr>
+          <a:xfrm>
+            <a:off x="1991544" y="2915466"/>
+            <a:ext cx="1603115" cy="739570"/>
+          </a:xfrm>
+          <a:prstGeom prst="straightConnector1">
+            <a:avLst/>
+          </a:prstGeom>
+          <a:ln>
+            <a:tailEnd type="triangle"/>
+          </a:ln>
+        </p:spPr>
+        <p:style>
+          <a:lnRef idx="1">
+            <a:schemeClr val="accent2"/>
+          </a:lnRef>
+          <a:fillRef idx="0">
+            <a:schemeClr val="accent2"/>
+          </a:fillRef>
+          <a:effectRef idx="0">
+            <a:schemeClr val="accent2"/>
+          </a:effectRef>
+          <a:fontRef idx="minor">
+            <a:schemeClr val="tx1"/>
+          </a:fontRef>
+        </p:style>
+      </p:cxnSp>
+      <p:sp>
+        <p:nvSpPr>
+          <p:cNvPr id="17" name="타원 16">
+            <a:extLst>
+              <a:ext uri="{FF2B5EF4-FFF2-40B4-BE49-F238E27FC236}">
+                <a16:creationId xmlns:a16="http://schemas.microsoft.com/office/drawing/2014/main" xmlns="" id="{817CDA13-A134-E5DD-3762-6B9EA517D19A}"/>
+              </a:ext>
+            </a:extLst>
+          </p:cNvPr>
+          <p:cNvSpPr/>
+          <p:nvPr/>
+        </p:nvSpPr>
+        <p:spPr>
+          <a:xfrm>
+            <a:off x="7189015" y="4481415"/>
+            <a:ext cx="221025" cy="221025"/>
+          </a:xfrm>
+          <a:prstGeom prst="ellipse">
+            <a:avLst/>
+          </a:prstGeom>
+          <a:solidFill>
+            <a:srgbClr val="FF0000"/>
+          </a:solidFill>
+          <a:ln>
+            <a:noFill/>
+          </a:ln>
+        </p:spPr>
+        <p:style>
+          <a:lnRef idx="2">
+            <a:schemeClr val="accent1">
+              <a:shade val="15000"/>
+            </a:schemeClr>
+          </a:lnRef>
+          <a:fillRef idx="1">
+            <a:schemeClr val="accent1"/>
+          </a:fillRef>
+          <a:effectRef idx="0">
+            <a:schemeClr val="accent1"/>
+          </a:effectRef>
+          <a:fontRef idx="minor">
+            <a:schemeClr val="lt1"/>
+          </a:fontRef>
+        </p:style>
+        <p:txBody>
+          <a:bodyPr rtlCol="0" anchor="ctr"/>
+          <a:lstStyle/>
+          <a:p>
+            <a:pPr algn="ctr"/>
+            <a:r>
+              <a:rPr lang="en-US" altLang="ko-KR" sz="1100" dirty="0" smtClean="0"/>
+              <a:t>4</a:t>
+            </a:r>
+            <a:endParaRPr lang="ko-KR" altLang="en-US" sz="1100" dirty="0"/>
+          </a:p>
+        </p:txBody>
+      </p:sp>
+      <p:pic>
+        <p:nvPicPr>
+          <p:cNvPr id="12" name="그림 11"/>
+          <p:cNvPicPr>
+            <a:picLocks noChangeAspect="1"/>
+          </p:cNvPicPr>
+          <p:nvPr/>
+        </p:nvPicPr>
+        <p:blipFill>
+          <a:blip r:embed="rId6"/>
+          <a:stretch>
+            <a:fillRect/>
+          </a:stretch>
+        </p:blipFill>
+        <p:spPr>
+          <a:xfrm>
+            <a:off x="2451386" y="831676"/>
+            <a:ext cx="1771100" cy="1670349"/>
+          </a:xfrm>
+          <a:prstGeom prst="rect">
+            <a:avLst/>
+          </a:prstGeom>
+        </p:spPr>
+      </p:pic>
+      <p:cxnSp>
+        <p:nvCxnSpPr>
+          <p:cNvPr id="20" name="직선 화살표 연결선 19"/>
+          <p:cNvCxnSpPr>
+            <a:stCxn id="23" idx="6"/>
+            <a:endCxn id="12" idx="1"/>
+          </p:cNvCxnSpPr>
+          <p:nvPr/>
+        </p:nvCxnSpPr>
+        <p:spPr>
+          <a:xfrm>
+            <a:off x="1780520" y="1595297"/>
+            <a:ext cx="670866" cy="71554"/>
+          </a:xfrm>
+          <a:prstGeom prst="straightConnector1">
+            <a:avLst/>
+          </a:prstGeom>
+          <a:ln>
+            <a:tailEnd type="triangle"/>
+          </a:ln>
+        </p:spPr>
+        <p:style>
+          <a:lnRef idx="1">
+            <a:schemeClr val="accent2"/>
+          </a:lnRef>
+          <a:fillRef idx="0">
+            <a:schemeClr val="accent2"/>
+          </a:fillRef>
+          <a:effectRef idx="0">
+            <a:schemeClr val="accent2"/>
+          </a:effectRef>
+          <a:fontRef idx="minor">
+            <a:schemeClr val="tx1"/>
+          </a:fontRef>
+        </p:style>
+      </p:cxnSp>
+      <p:sp>
+        <p:nvSpPr>
+          <p:cNvPr id="24" name="타원 23">
+            <a:extLst>
+              <a:ext uri="{FF2B5EF4-FFF2-40B4-BE49-F238E27FC236}">
+                <a16:creationId xmlns:a16="http://schemas.microsoft.com/office/drawing/2014/main" xmlns="" id="{817CDA13-A134-E5DD-3762-6B9EA517D19A}"/>
+              </a:ext>
+            </a:extLst>
+          </p:cNvPr>
+          <p:cNvSpPr/>
+          <p:nvPr/>
+        </p:nvSpPr>
+        <p:spPr>
+          <a:xfrm>
+            <a:off x="2451273" y="797766"/>
+            <a:ext cx="221025" cy="221025"/>
+          </a:xfrm>
+          <a:prstGeom prst="ellipse">
+            <a:avLst/>
+          </a:prstGeom>
+          <a:solidFill>
+            <a:srgbClr val="FF0000"/>
+          </a:solidFill>
+          <a:ln>
+            <a:noFill/>
+          </a:ln>
+        </p:spPr>
+        <p:style>
+          <a:lnRef idx="2">
+            <a:schemeClr val="accent1">
+              <a:shade val="15000"/>
+            </a:schemeClr>
+          </a:lnRef>
+          <a:fillRef idx="1">
+            <a:schemeClr val="accent1"/>
+          </a:fillRef>
+          <a:effectRef idx="0">
+            <a:schemeClr val="accent1"/>
+          </a:effectRef>
+          <a:fontRef idx="minor">
+            <a:schemeClr val="lt1"/>
+          </a:fontRef>
+        </p:style>
+        <p:txBody>
+          <a:bodyPr rtlCol="0" anchor="ctr"/>
+          <a:lstStyle/>
+          <a:p>
+            <a:pPr algn="ctr"/>
+            <a:r>
+              <a:rPr lang="en-US" altLang="ko-KR" sz="1100" dirty="0" smtClean="0"/>
+              <a:t>2</a:t>
+            </a:r>
+            <a:endParaRPr lang="ko-KR" altLang="en-US" sz="1100" dirty="0"/>
+          </a:p>
+        </p:txBody>
+      </p:sp>
+      <p:sp>
+        <p:nvSpPr>
+          <p:cNvPr id="25" name="타원 24">
+            <a:extLst>
+              <a:ext uri="{FF2B5EF4-FFF2-40B4-BE49-F238E27FC236}">
+                <a16:creationId xmlns:a16="http://schemas.microsoft.com/office/drawing/2014/main" xmlns="" id="{817CDA13-A134-E5DD-3762-6B9EA517D19A}"/>
+              </a:ext>
+            </a:extLst>
+          </p:cNvPr>
+          <p:cNvSpPr/>
+          <p:nvPr/>
+        </p:nvSpPr>
+        <p:spPr>
+          <a:xfrm>
+            <a:off x="2501966" y="2205499"/>
+            <a:ext cx="221025" cy="221025"/>
+          </a:xfrm>
+          <a:prstGeom prst="ellipse">
+            <a:avLst/>
+          </a:prstGeom>
+          <a:solidFill>
+            <a:srgbClr val="FF0000"/>
+          </a:solidFill>
+          <a:ln>
+            <a:noFill/>
+          </a:ln>
+        </p:spPr>
+        <p:style>
+          <a:lnRef idx="2">
+            <a:schemeClr val="accent1">
+              <a:shade val="15000"/>
+            </a:schemeClr>
+          </a:lnRef>
+          <a:fillRef idx="1">
+            <a:schemeClr val="accent1"/>
+          </a:fillRef>
+          <a:effectRef idx="0">
+            <a:schemeClr val="accent1"/>
+          </a:effectRef>
+          <a:fontRef idx="minor">
+            <a:schemeClr val="lt1"/>
+          </a:fontRef>
+        </p:style>
+        <p:txBody>
+          <a:bodyPr rtlCol="0" anchor="ctr"/>
+          <a:lstStyle/>
+          <a:p>
+            <a:pPr algn="ctr"/>
+            <a:r>
+              <a:rPr lang="en-US" altLang="ko-KR" sz="1100" dirty="0"/>
+              <a:t>3</a:t>
+            </a:r>
+            <a:endParaRPr lang="ko-KR" altLang="en-US" sz="1100" dirty="0"/>
+          </a:p>
+        </p:txBody>
+      </p:sp>
     </p:spTree>
     <p:extLst>
       <p:ext uri="{BB962C8B-B14F-4D97-AF65-F5344CB8AC3E}">
@@ -4853,6 +5906,13 @@
   <p:clrMapOvr>
     <a:masterClrMapping/>
   </p:clrMapOvr>
+  <p:timing>
+    <p:tnLst>
+      <p:par>
+        <p:cTn id="1" dur="indefinite" restart="never" nodeType="tmRoot"/>
+      </p:par>
+    </p:tnLst>
+  </p:timing>
 </p:sld>
 </file>
 
